--- a/Document/02_Napa_13_Aniq_Presentation.pptx
+++ b/Document/02_Napa_13_Aniq_Presentation.pptx
@@ -7,10 +7,10 @@
   <p:sldIdLst>
     <p:sldId id="256" r:id="rId2"/>
     <p:sldId id="261" r:id="rId3"/>
-    <p:sldId id="257" r:id="rId4"/>
-    <p:sldId id="258" r:id="rId5"/>
-    <p:sldId id="259" r:id="rId6"/>
-    <p:sldId id="260" r:id="rId7"/>
+    <p:sldId id="260" r:id="rId4"/>
+    <p:sldId id="257" r:id="rId5"/>
+    <p:sldId id="258" r:id="rId6"/>
+    <p:sldId id="262" r:id="rId7"/>
   </p:sldIdLst>
   <p:sldSz cx="12192000" cy="6858000"/>
   <p:notesSz cx="6858000" cy="9144000"/>
@@ -6113,7 +6113,7 @@
           <a:p>
             <a:r>
               <a:rPr lang="en-US" dirty="0" smtClean="0"/>
-              <a:t>Game Idea</a:t>
+              <a:t>E.T Invasion</a:t>
             </a:r>
             <a:endParaRPr lang="en-US" dirty="0"/>
           </a:p>
@@ -6218,7 +6218,33 @@
           <a:p>
             <a:r>
               <a:rPr lang="en-US" dirty="0" smtClean="0"/>
-              <a:t>Challenging than the original</a:t>
+              <a:t>Challenging than the </a:t>
+            </a:r>
+            <a:r>
+              <a:rPr lang="en-US" dirty="0" smtClean="0"/>
+              <a:t>original</a:t>
+            </a:r>
+          </a:p>
+          <a:p>
+            <a:endParaRPr lang="en-US" dirty="0"/>
+          </a:p>
+          <a:p>
+            <a:r>
+              <a:rPr lang="en-US" dirty="0" smtClean="0"/>
+              <a:t>Game name: E.T Invasion</a:t>
+            </a:r>
+          </a:p>
+          <a:p>
+            <a:r>
+              <a:rPr lang="en-US" dirty="0" smtClean="0"/>
+              <a:t>Platform: PC</a:t>
+            </a:r>
+            <a:endParaRPr lang="en-US" dirty="0"/>
+          </a:p>
+          <a:p>
+            <a:r>
+              <a:rPr lang="en-US" dirty="0" smtClean="0"/>
+              <a:t>Target audience: Teens between 15-18</a:t>
             </a:r>
             <a:endParaRPr lang="en-US" dirty="0"/>
           </a:p>
@@ -6271,7 +6297,7 @@
           <a:p>
             <a:r>
               <a:rPr lang="en-US" dirty="0" smtClean="0"/>
-              <a:t>Roles on task 1</a:t>
+              <a:t>Our idea during brainstorming</a:t>
             </a:r>
             <a:endParaRPr lang="en-US" dirty="0"/>
           </a:p>
@@ -6297,58 +6323,48 @@
             </a:pPr>
             <a:r>
               <a:rPr lang="en-US" dirty="0" smtClean="0"/>
-              <a:t>Napa:</a:t>
-            </a:r>
-          </a:p>
-          <a:p>
+              <a:t>We will have:</a:t>
+            </a:r>
+          </a:p>
+          <a:p>
+            <a:pPr marL="457200" indent="-457200">
+              <a:buFont typeface="+mj-lt"/>
+              <a:buAutoNum type="arabicPeriod"/>
+            </a:pPr>
             <a:r>
               <a:rPr lang="en-US" dirty="0" smtClean="0"/>
-              <a:t>Main menu</a:t>
-            </a:r>
-          </a:p>
-          <a:p>
+              <a:t>3 levels</a:t>
+            </a:r>
+          </a:p>
+          <a:p>
+            <a:pPr marL="457200" indent="-457200">
+              <a:buFont typeface="+mj-lt"/>
+              <a:buAutoNum type="arabicPeriod"/>
+            </a:pPr>
             <a:r>
               <a:rPr lang="en-US" dirty="0" smtClean="0"/>
-              <a:t>Player controls and UI (currently)</a:t>
-            </a:r>
-          </a:p>
-          <a:p>
+              <a:t>Boss </a:t>
+            </a:r>
+          </a:p>
+          <a:p>
+            <a:pPr marL="457200" indent="-457200">
+              <a:buFont typeface="+mj-lt"/>
+              <a:buAutoNum type="arabicPeriod"/>
+            </a:pPr>
             <a:r>
               <a:rPr lang="en-US" dirty="0" smtClean="0"/>
-              <a:t>Level 1 (level in general)</a:t>
-            </a:r>
-          </a:p>
-          <a:p>
+              <a:t>Difficulty tweak (each level)</a:t>
+            </a:r>
+          </a:p>
+          <a:p>
+            <a:pPr marL="457200" indent="-457200">
+              <a:buFont typeface="+mj-lt"/>
+              <a:buAutoNum type="arabicPeriod"/>
+            </a:pPr>
             <a:r>
               <a:rPr lang="en-US" dirty="0" smtClean="0"/>
-              <a:t>Boss spawn (if </a:t>
-            </a:r>
-            <a:r>
-              <a:rPr lang="en-US" dirty="0" err="1" smtClean="0"/>
-              <a:t>theres</a:t>
-            </a:r>
-            <a:r>
-              <a:rPr lang="en-US" dirty="0" smtClean="0"/>
-              <a:t> time)</a:t>
-            </a:r>
-          </a:p>
-          <a:p>
-            <a:r>
-              <a:rPr lang="en-US" dirty="0" err="1" smtClean="0"/>
-              <a:t>Powerup</a:t>
-            </a:r>
-            <a:endParaRPr lang="en-US" dirty="0" smtClean="0"/>
-          </a:p>
-          <a:p>
-            <a:r>
-              <a:rPr lang="en-US" dirty="0" smtClean="0"/>
-              <a:t>Enemy 1 &amp; 2</a:t>
-            </a:r>
-          </a:p>
-          <a:p>
-            <a:endParaRPr lang="en-US" dirty="0"/>
-          </a:p>
-          <a:p>
+              <a:t>Linear based game</a:t>
+            </a:r>
             <a:endParaRPr lang="en-US" dirty="0"/>
           </a:p>
         </p:txBody>
@@ -6356,7 +6372,7 @@
     </p:spTree>
     <p:extLst>
       <p:ext uri="{BB962C8B-B14F-4D97-AF65-F5344CB8AC3E}">
-        <p14:creationId xmlns:p14="http://schemas.microsoft.com/office/powerpoint/2010/main" val="3224090194"/>
+        <p14:creationId xmlns:p14="http://schemas.microsoft.com/office/powerpoint/2010/main" val="4200787468"/>
       </p:ext>
     </p:extLst>
   </p:cSld>
@@ -6400,7 +6416,11 @@
           <a:p>
             <a:r>
               <a:rPr lang="en-US" dirty="0" smtClean="0"/>
-              <a:t>Roles on task 2</a:t>
+              <a:t>Roles on task </a:t>
+            </a:r>
+            <a:r>
+              <a:rPr lang="en-US" dirty="0" smtClean="0"/>
+              <a:t>1 (Project Plan)</a:t>
             </a:r>
             <a:endParaRPr lang="en-US" dirty="0"/>
           </a:p>
@@ -6425,43 +6445,59 @@
               <a:buNone/>
             </a:pPr>
             <a:r>
+              <a:rPr lang="en-US" dirty="0" smtClean="0"/>
+              <a:t>Napa:</a:t>
+            </a:r>
+          </a:p>
+          <a:p>
+            <a:r>
+              <a:rPr lang="en-US" dirty="0" smtClean="0"/>
+              <a:t>Main menu</a:t>
+            </a:r>
+          </a:p>
+          <a:p>
+            <a:r>
+              <a:rPr lang="en-US" dirty="0" smtClean="0"/>
+              <a:t>Player controls and UI (currently)</a:t>
+            </a:r>
+          </a:p>
+          <a:p>
+            <a:r>
+              <a:rPr lang="en-US" dirty="0" smtClean="0"/>
+              <a:t>Level 1 (level in general)</a:t>
+            </a:r>
+          </a:p>
+          <a:p>
+            <a:r>
+              <a:rPr lang="en-US" dirty="0" smtClean="0"/>
+              <a:t>Boss spawn (if </a:t>
+            </a:r>
+            <a:r>
               <a:rPr lang="en-US" dirty="0" err="1" smtClean="0"/>
-              <a:t>Aniq</a:t>
+              <a:t>theres</a:t>
             </a:r>
             <a:r>
               <a:rPr lang="en-US" dirty="0" smtClean="0"/>
-              <a:t>:</a:t>
-            </a:r>
+              <a:t> time)</a:t>
+            </a:r>
+          </a:p>
+          <a:p>
+            <a:r>
+              <a:rPr lang="en-US" dirty="0" err="1" smtClean="0"/>
+              <a:t>Powerup</a:t>
+            </a:r>
+            <a:endParaRPr lang="en-US" dirty="0" smtClean="0"/>
           </a:p>
           <a:p>
             <a:r>
               <a:rPr lang="en-US" dirty="0" smtClean="0"/>
-              <a:t>Level 2 and Level 3 (level general)</a:t>
-            </a:r>
-          </a:p>
-          <a:p>
-            <a:r>
-              <a:rPr lang="en-US" dirty="0" smtClean="0"/>
-              <a:t>Level design (map design)</a:t>
-            </a:r>
-          </a:p>
-          <a:p>
-            <a:r>
-              <a:rPr lang="en-US" dirty="0" smtClean="0"/>
-              <a:t>Sound effects</a:t>
-            </a:r>
-          </a:p>
-          <a:p>
-            <a:r>
-              <a:rPr lang="en-US" dirty="0" smtClean="0"/>
-              <a:t>Enemy 3</a:t>
-            </a:r>
-          </a:p>
-          <a:p>
-            <a:r>
-              <a:rPr lang="en-US" dirty="0" smtClean="0"/>
-              <a:t>GDD and project plan</a:t>
-            </a:r>
+              <a:t>Enemy 1 &amp; 2</a:t>
+            </a:r>
+          </a:p>
+          <a:p>
+            <a:endParaRPr lang="en-US" dirty="0"/>
+          </a:p>
+          <a:p>
             <a:endParaRPr lang="en-US" dirty="0"/>
           </a:p>
         </p:txBody>
@@ -6469,7 +6505,7 @@
     </p:spTree>
     <p:extLst>
       <p:ext uri="{BB962C8B-B14F-4D97-AF65-F5344CB8AC3E}">
-        <p14:creationId xmlns:p14="http://schemas.microsoft.com/office/powerpoint/2010/main" val="2189919073"/>
+        <p14:creationId xmlns:p14="http://schemas.microsoft.com/office/powerpoint/2010/main" val="3224090194"/>
       </p:ext>
     </p:extLst>
   </p:cSld>
@@ -6511,6 +6547,14 @@
           <a:bodyPr/>
           <a:lstStyle/>
           <a:p>
+            <a:r>
+              <a:rPr lang="en-US" dirty="0" smtClean="0"/>
+              <a:t>Roles on task </a:t>
+            </a:r>
+            <a:r>
+              <a:rPr lang="en-US" dirty="0" smtClean="0"/>
+              <a:t>2 (Project Plan)</a:t>
+            </a:r>
             <a:endParaRPr lang="en-US" dirty="0"/>
           </a:p>
         </p:txBody>
@@ -6527,107 +6571,49 @@
         </p:nvSpPr>
         <p:spPr/>
         <p:txBody>
-          <a:bodyPr>
-            <a:normAutofit fontScale="85000" lnSpcReduction="10000"/>
-          </a:bodyPr>
+          <a:bodyPr/>
           <a:lstStyle/>
           <a:p>
             <a:pPr marL="0" indent="0">
               <a:buNone/>
             </a:pPr>
             <a:r>
+              <a:rPr lang="en-US" dirty="0" err="1" smtClean="0"/>
+              <a:t>Aniq</a:t>
+            </a:r>
+            <a:r>
               <a:rPr lang="en-US" dirty="0" smtClean="0"/>
-              <a:t>Space ship</a:t>
+              <a:t>:</a:t>
             </a:r>
           </a:p>
           <a:p>
             <a:r>
               <a:rPr lang="en-US" dirty="0" smtClean="0"/>
-              <a:t>Link: </a:t>
-            </a:r>
-            <a:r>
-              <a:rPr lang="en-US" dirty="0">
-                <a:hlinkClick r:id="rId2"/>
-              </a:rPr>
-              <a:t>https://</a:t>
-            </a:r>
-            <a:r>
-              <a:rPr lang="en-US" dirty="0" smtClean="0">
-                <a:hlinkClick r:id="rId2"/>
-              </a:rPr>
-              <a:t>assetstore.unity.com/packages/3d/galactic-heroes-cartoon-spaceship-70188</a:t>
-            </a:r>
-            <a:endParaRPr lang="en-US" dirty="0" smtClean="0"/>
-          </a:p>
-          <a:p>
-            <a:pPr marL="0" indent="0">
-              <a:buNone/>
-            </a:pPr>
+              <a:t>Level 2 and Level 3 (level general)</a:t>
+            </a:r>
+          </a:p>
+          <a:p>
             <a:r>
               <a:rPr lang="en-US" dirty="0" smtClean="0"/>
-              <a:t>Low poly Desert</a:t>
+              <a:t>Level design (map design)</a:t>
             </a:r>
           </a:p>
           <a:p>
             <a:r>
               <a:rPr lang="en-US" dirty="0" smtClean="0"/>
-              <a:t>Link: </a:t>
-            </a:r>
-            <a:r>
-              <a:rPr lang="en-US" dirty="0" smtClean="0">
-                <a:hlinkClick r:id="rId3"/>
-              </a:rPr>
-              <a:t>https</a:t>
-            </a:r>
-            <a:r>
-              <a:rPr lang="en-US" dirty="0">
-                <a:hlinkClick r:id="rId3"/>
-              </a:rPr>
-              <a:t>://assetstore.unity.com/packages/3d/environments/landscapes/lowpoly-environment-pack-99479</a:t>
-            </a:r>
-            <a:endParaRPr lang="en-US" dirty="0"/>
-          </a:p>
-          <a:p>
-            <a:pPr marL="0" indent="0">
-              <a:buNone/>
-            </a:pPr>
+              <a:t>Sound effects</a:t>
+            </a:r>
+          </a:p>
+          <a:p>
             <a:r>
               <a:rPr lang="en-US" dirty="0" smtClean="0"/>
-              <a:t>Low poly Forest</a:t>
+              <a:t>Enemy 3</a:t>
             </a:r>
           </a:p>
           <a:p>
             <a:r>
               <a:rPr lang="en-US" dirty="0" smtClean="0"/>
-              <a:t>Link: </a:t>
-            </a:r>
-            <a:r>
-              <a:rPr lang="en-US" dirty="0">
-                <a:hlinkClick r:id="rId4"/>
-              </a:rPr>
-              <a:t>https://assetstore.unity.com/packages/3d/environments/landscapes/low-poly-simple-nature-pack-162153</a:t>
-            </a:r>
-            <a:endParaRPr lang="en-US" dirty="0"/>
-          </a:p>
-          <a:p>
-            <a:pPr marL="0" indent="0">
-              <a:buNone/>
-            </a:pPr>
-            <a:r>
-              <a:rPr lang="en-US" dirty="0" smtClean="0"/>
-              <a:t>Low poly city</a:t>
-            </a:r>
-          </a:p>
-          <a:p>
-            <a:r>
-              <a:rPr lang="en-US" dirty="0" smtClean="0"/>
-              <a:t>Link: </a:t>
-            </a:r>
-            <a:r>
-              <a:rPr lang="en-US" dirty="0">
-                <a:hlinkClick r:id="rId5"/>
-              </a:rPr>
-              <a:t>https://assetstore.unity.com/packages/3d/environments/roadways/low-poly-road-pack-67288</a:t>
+              <a:t>GDD and project plan</a:t>
             </a:r>
             <a:endParaRPr lang="en-US" dirty="0"/>
           </a:p>
@@ -6636,7 +6622,7 @@
     </p:spTree>
     <p:extLst>
       <p:ext uri="{BB962C8B-B14F-4D97-AF65-F5344CB8AC3E}">
-        <p14:creationId xmlns:p14="http://schemas.microsoft.com/office/powerpoint/2010/main" val="1784584629"/>
+        <p14:creationId xmlns:p14="http://schemas.microsoft.com/office/powerpoint/2010/main" val="2189919073"/>
       </p:ext>
     </p:extLst>
   </p:cSld>
@@ -6670,41 +6656,27 @@
             <a:spLocks noGrp="1"/>
           </p:cNvSpPr>
           <p:nvPr>
-            <p:ph type="title"/>
-          </p:nvPr>
-        </p:nvSpPr>
-        <p:spPr/>
-        <p:txBody>
-          <a:bodyPr/>
-          <a:lstStyle/>
-          <a:p>
-            <a:endParaRPr lang="en-US"/>
-          </a:p>
-        </p:txBody>
-      </p:sp>
-      <p:sp>
-        <p:nvSpPr>
-          <p:cNvPr id="3" name="Content Placeholder 2"/>
-          <p:cNvSpPr>
-            <a:spLocks noGrp="1"/>
-          </p:cNvSpPr>
-          <p:nvPr>
-            <p:ph idx="1"/>
-          </p:nvPr>
-        </p:nvSpPr>
-        <p:spPr/>
-        <p:txBody>
-          <a:bodyPr/>
-          <a:lstStyle/>
-          <a:p>
-            <a:endParaRPr lang="en-US"/>
+            <p:ph type="ctrTitle"/>
+          </p:nvPr>
+        </p:nvSpPr>
+        <p:spPr/>
+        <p:txBody>
+          <a:bodyPr/>
+          <a:lstStyle/>
+          <a:p>
+            <a:pPr algn="ctr"/>
+            <a:r>
+              <a:rPr lang="en-US" dirty="0" smtClean="0"/>
+              <a:t>That’s all we have!</a:t>
+            </a:r>
+            <a:endParaRPr lang="en-US" dirty="0"/>
           </a:p>
         </p:txBody>
       </p:sp>
     </p:spTree>
     <p:extLst>
       <p:ext uri="{BB962C8B-B14F-4D97-AF65-F5344CB8AC3E}">
-        <p14:creationId xmlns:p14="http://schemas.microsoft.com/office/powerpoint/2010/main" val="4200787468"/>
+        <p14:creationId xmlns:p14="http://schemas.microsoft.com/office/powerpoint/2010/main" val="2282608985"/>
       </p:ext>
     </p:extLst>
   </p:cSld>

--- a/Document/02_Napa_13_Aniq_Presentation.pptx
+++ b/Document/02_Napa_13_Aniq_Presentation.pptx
@@ -6218,11 +6218,7 @@
           <a:p>
             <a:r>
               <a:rPr lang="en-US" dirty="0" smtClean="0"/>
-              <a:t>Challenging than the </a:t>
-            </a:r>
-            <a:r>
-              <a:rPr lang="en-US" dirty="0" smtClean="0"/>
-              <a:t>original</a:t>
+              <a:t>Challenging than the original</a:t>
             </a:r>
           </a:p>
           <a:p>
@@ -6416,11 +6412,7 @@
           <a:p>
             <a:r>
               <a:rPr lang="en-US" dirty="0" smtClean="0"/>
-              <a:t>Roles on task </a:t>
-            </a:r>
-            <a:r>
-              <a:rPr lang="en-US" dirty="0" smtClean="0"/>
-              <a:t>1 (Project Plan)</a:t>
+              <a:t>Roles on task 1 (Project Plan)</a:t>
             </a:r>
             <a:endParaRPr lang="en-US" dirty="0"/>
           </a:p>
@@ -6469,21 +6461,17 @@
           </a:p>
           <a:p>
             <a:r>
-              <a:rPr lang="en-US" dirty="0" smtClean="0"/>
-              <a:t>Boss spawn (if </a:t>
-            </a:r>
-            <a:r>
-              <a:rPr lang="en-US" dirty="0" err="1" smtClean="0"/>
-              <a:t>theres</a:t>
-            </a:r>
-            <a:r>
-              <a:rPr lang="en-US" dirty="0" smtClean="0"/>
-              <a:t> time)</a:t>
-            </a:r>
-          </a:p>
-          <a:p>
-            <a:r>
-              <a:rPr lang="en-US" dirty="0" err="1" smtClean="0"/>
+              <a:rPr lang="en-US" smtClean="0"/>
+              <a:t>Boss </a:t>
+            </a:r>
+            <a:r>
+              <a:rPr lang="en-US" smtClean="0"/>
+              <a:t>spawn </a:t>
+            </a:r>
+          </a:p>
+          <a:p>
+            <a:r>
+              <a:rPr lang="en-US" smtClean="0"/>
               <a:t>Powerup</a:t>
             </a:r>
             <a:endParaRPr lang="en-US" dirty="0" smtClean="0"/>
@@ -6549,11 +6537,7 @@
           <a:p>
             <a:r>
               <a:rPr lang="en-US" dirty="0" smtClean="0"/>
-              <a:t>Roles on task </a:t>
-            </a:r>
-            <a:r>
-              <a:rPr lang="en-US" dirty="0" smtClean="0"/>
-              <a:t>2 (Project Plan)</a:t>
+              <a:t>Roles on task 2 (Project Plan)</a:t>
             </a:r>
             <a:endParaRPr lang="en-US" dirty="0"/>
           </a:p>
